--- a/Syllabus/Lecture02/Lec02_CaseStudy.pptx
+++ b/Syllabus/Lecture02/Lec02_CaseStudy.pptx
@@ -7570,7 +7570,15 @@
           <a:p>
             <a:r>
               <a:rPr lang="en-US" dirty="0"/>
-              <a:t>Data science is “a combination of information technology, modeling, and business management” - Dr. Thomas Miller, Northwestern University</a:t>
+              <a:t>Data science is “a combination of </a:t>
+            </a:r>
+            <a:r>
+              <a:rPr lang="en-US" u="sng" dirty="0"/>
+              <a:t>information technology, modeling, and business management</a:t>
+            </a:r>
+            <a:r>
+              <a:rPr lang="en-US" dirty="0"/>
+              <a:t>” - Dr. Thomas Miller, Northwestern University</a:t>
             </a:r>
           </a:p>
           <a:p>
@@ -11297,7 +11305,7 @@
         <p:spPr>
           <a:xfrm>
             <a:off x="1937200" y="2277867"/>
-            <a:ext cx="7911200" cy="3654400"/>
+            <a:ext cx="8469070" cy="3654400"/>
           </a:xfrm>
           <a:prstGeom prst="rect">
             <a:avLst/>
@@ -11318,14 +11326,14 @@
               <a:buChar char="●"/>
             </a:pPr>
             <a:r>
-              <a:rPr lang="en" sz="3200"/>
+              <a:rPr lang="en" sz="3200" dirty="0"/>
               <a:t>Very domain-specific</a:t>
             </a:r>
-            <a:endParaRPr sz="3200"/>
+            <a:endParaRPr sz="3200" dirty="0"/>
           </a:p>
           <a:p>
             <a:pPr marL="609585"/>
-            <a:endParaRPr sz="3200"/>
+            <a:endParaRPr sz="3200" dirty="0"/>
           </a:p>
           <a:p>
             <a:pPr marL="609585" indent="-507987">
@@ -11333,10 +11341,10 @@
               <a:buChar char="●"/>
             </a:pPr>
             <a:r>
-              <a:rPr lang="en" sz="3200"/>
+              <a:rPr lang="en" sz="3200" dirty="0"/>
               <a:t>Best way to start: </a:t>
             </a:r>
-            <a:endParaRPr sz="3200"/>
+            <a:endParaRPr sz="3200" dirty="0"/>
           </a:p>
           <a:p>
             <a:pPr marL="1219170" lvl="1" indent="-507987">
@@ -11344,10 +11352,9 @@
               <a:buChar char="○"/>
             </a:pPr>
             <a:r>
-              <a:rPr lang="en" sz="3200"/>
-              <a:t>literature reviews</a:t>
+              <a:rPr lang="en-US" sz="3200" dirty="0"/>
+              <a:t>Understand baseline approaches</a:t>
             </a:r>
-            <a:endParaRPr sz="3200"/>
           </a:p>
           <a:p>
             <a:pPr marL="1219170" lvl="1" indent="-507987">
@@ -11355,10 +11362,21 @@
               <a:buChar char="○"/>
             </a:pPr>
             <a:r>
-              <a:rPr lang="en" sz="3200"/>
+              <a:rPr lang="en" sz="3200" dirty="0"/>
+              <a:t>literature reviews</a:t>
+            </a:r>
+            <a:endParaRPr sz="3200" dirty="0"/>
+          </a:p>
+          <a:p>
+            <a:pPr marL="1219170" lvl="1" indent="-507987">
+              <a:buSzPts val="2400"/>
+              <a:buChar char="○"/>
+            </a:pPr>
+            <a:r>
+              <a:rPr lang="en" sz="3200" dirty="0"/>
               <a:t>check how other researchers featurize the code modules</a:t>
             </a:r>
-            <a:endParaRPr sz="3200"/>
+            <a:endParaRPr sz="3200" dirty="0"/>
           </a:p>
         </p:txBody>
       </p:sp>
@@ -12039,7 +12057,7 @@
         </p:nvSpPr>
         <p:spPr>
           <a:xfrm>
-            <a:off x="1937200" y="2277867"/>
+            <a:off x="1937200" y="2108899"/>
             <a:ext cx="7911200" cy="4047600"/>
           </a:xfrm>
           <a:prstGeom prst="rect">
@@ -16650,7 +16668,7 @@
             </a:pPr>
             <a:r>
               <a:rPr lang="en" dirty="0"/>
-              <a:t>Data Balancing is very necessary</a:t>
+              <a:t>Data Balancing is critical</a:t>
             </a:r>
             <a:endParaRPr dirty="0"/>
           </a:p>
@@ -16675,10 +16693,9 @@
               <a:buChar char="○"/>
             </a:pPr>
             <a:r>
-              <a:rPr lang="en" dirty="0"/>
-              <a:t>PCA</a:t>
+              <a:rPr lang="en-US" dirty="0"/>
+              <a:t>Principal Component Analysis (PCA) </a:t>
             </a:r>
-            <a:endParaRPr dirty="0"/>
           </a:p>
           <a:p>
             <a:pPr marL="1219170" lvl="1" indent="-457189">
@@ -16686,8 +16703,8 @@
               <a:buChar char="○"/>
             </a:pPr>
             <a:r>
-              <a:rPr lang="en" dirty="0"/>
-              <a:t>LDA (topic modeling)</a:t>
+              <a:rPr lang="en-US" dirty="0"/>
+              <a:t>Linear Discriminant Analysis (LDA)</a:t>
             </a:r>
             <a:endParaRPr dirty="0"/>
           </a:p>
@@ -17088,7 +17105,7 @@
             </a:pPr>
             <a:r>
               <a:rPr lang="en" sz="3200" dirty="0"/>
-              <a:t>Grid search / random search</a:t>
+              <a:t>Grid search / Random search</a:t>
             </a:r>
             <a:endParaRPr sz="3200" dirty="0"/>
           </a:p>
@@ -17250,7 +17267,7 @@
         <p:spPr>
           <a:xfrm>
             <a:off x="1937200" y="2474467"/>
-            <a:ext cx="7862400" cy="3458000"/>
+            <a:ext cx="8439252" cy="3458000"/>
           </a:xfrm>
           <a:prstGeom prst="rect">
             <a:avLst/>
@@ -17294,7 +17311,7 @@
             </a:pPr>
             <a:r>
               <a:rPr lang="en" sz="3200" dirty="0"/>
-              <a:t>Improve based on customer feedback</a:t>
+              <a:t>Make improvements based on customer feedback</a:t>
             </a:r>
             <a:endParaRPr sz="3200" dirty="0"/>
           </a:p>

--- a/Syllabus/Lecture02/Lec02_CaseStudy.pptx
+++ b/Syllabus/Lecture02/Lec02_CaseStudy.pptx
@@ -15,12 +15,12 @@
     <p:sldId id="293" r:id="rId3"/>
     <p:sldId id="291" r:id="rId4"/>
     <p:sldId id="298" r:id="rId5"/>
-    <p:sldId id="300" r:id="rId6"/>
-    <p:sldId id="299" r:id="rId7"/>
-    <p:sldId id="301" r:id="rId8"/>
-    <p:sldId id="303" r:id="rId9"/>
-    <p:sldId id="304" r:id="rId10"/>
-    <p:sldId id="310" r:id="rId11"/>
+    <p:sldId id="310" r:id="rId6"/>
+    <p:sldId id="300" r:id="rId7"/>
+    <p:sldId id="299" r:id="rId8"/>
+    <p:sldId id="301" r:id="rId9"/>
+    <p:sldId id="303" r:id="rId10"/>
+    <p:sldId id="304" r:id="rId11"/>
     <p:sldId id="306" r:id="rId12"/>
     <p:sldId id="312" r:id="rId13"/>
     <p:sldId id="257" r:id="rId14"/>
@@ -147,12 +147,12 @@
             <p14:sldId id="293"/>
             <p14:sldId id="291"/>
             <p14:sldId id="298"/>
+            <p14:sldId id="310"/>
             <p14:sldId id="300"/>
             <p14:sldId id="299"/>
             <p14:sldId id="301"/>
             <p14:sldId id="303"/>
             <p14:sldId id="304"/>
-            <p14:sldId id="310"/>
             <p14:sldId id="306"/>
             <p14:sldId id="312"/>
             <p14:sldId id="257"/>
@@ -2719,17 +2719,14 @@
               </a:spcAft>
               <a:buNone/>
             </a:pPr>
-            <a:r>
-              <a:rPr lang="en-US" dirty="0"/>
-              <a:t>HINT: Healthcare, Sentiment Analysis, Stock Market analysis, Computer Vision, Sports, Business, Bots, Cybersecurity</a:t>
-            </a:r>
+            <a:endParaRPr lang="en-US" dirty="0"/>
           </a:p>
         </p:txBody>
       </p:sp>
     </p:spTree>
     <p:extLst>
       <p:ext uri="{BB962C8B-B14F-4D97-AF65-F5344CB8AC3E}">
-        <p14:creationId xmlns:p14="http://schemas.microsoft.com/office/powerpoint/2010/main" val="2851332878"/>
+        <p14:creationId xmlns:p14="http://schemas.microsoft.com/office/powerpoint/2010/main" val="2356817392"/>
       </p:ext>
     </p:extLst>
   </p:cSld>
@@ -2841,7 +2838,7 @@
     </p:spTree>
     <p:extLst>
       <p:ext uri="{BB962C8B-B14F-4D97-AF65-F5344CB8AC3E}">
-        <p14:creationId xmlns:p14="http://schemas.microsoft.com/office/powerpoint/2010/main" val="4050286114"/>
+        <p14:creationId xmlns:p14="http://schemas.microsoft.com/office/powerpoint/2010/main" val="2851332878"/>
       </p:ext>
     </p:extLst>
   </p:cSld>
@@ -2943,14 +2940,17 @@
               </a:spcAft>
               <a:buNone/>
             </a:pPr>
-            <a:endParaRPr lang="en-US" dirty="0"/>
+            <a:r>
+              <a:rPr lang="en-US" dirty="0"/>
+              <a:t>HINT: Healthcare, Sentiment Analysis, Stock Market analysis, Computer Vision, Sports, Business, Bots, Cybersecurity</a:t>
+            </a:r>
           </a:p>
         </p:txBody>
       </p:sp>
     </p:spTree>
     <p:extLst>
       <p:ext uri="{BB962C8B-B14F-4D97-AF65-F5344CB8AC3E}">
-        <p14:creationId xmlns:p14="http://schemas.microsoft.com/office/powerpoint/2010/main" val="3507836139"/>
+        <p14:creationId xmlns:p14="http://schemas.microsoft.com/office/powerpoint/2010/main" val="4050286114"/>
       </p:ext>
     </p:extLst>
   </p:cSld>
@@ -3059,7 +3059,7 @@
     </p:spTree>
     <p:extLst>
       <p:ext uri="{BB962C8B-B14F-4D97-AF65-F5344CB8AC3E}">
-        <p14:creationId xmlns:p14="http://schemas.microsoft.com/office/powerpoint/2010/main" val="8146607"/>
+        <p14:creationId xmlns:p14="http://schemas.microsoft.com/office/powerpoint/2010/main" val="3507836139"/>
       </p:ext>
     </p:extLst>
   </p:cSld>
@@ -3168,7 +3168,7 @@
     </p:spTree>
     <p:extLst>
       <p:ext uri="{BB962C8B-B14F-4D97-AF65-F5344CB8AC3E}">
-        <p14:creationId xmlns:p14="http://schemas.microsoft.com/office/powerpoint/2010/main" val="3877280150"/>
+        <p14:creationId xmlns:p14="http://schemas.microsoft.com/office/powerpoint/2010/main" val="8146607"/>
       </p:ext>
     </p:extLst>
   </p:cSld>
@@ -3277,7 +3277,7 @@
     </p:spTree>
     <p:extLst>
       <p:ext uri="{BB962C8B-B14F-4D97-AF65-F5344CB8AC3E}">
-        <p14:creationId xmlns:p14="http://schemas.microsoft.com/office/powerpoint/2010/main" val="2356817392"/>
+        <p14:creationId xmlns:p14="http://schemas.microsoft.com/office/powerpoint/2010/main" val="3877280150"/>
       </p:ext>
     </p:extLst>
   </p:cSld>
@@ -7524,8 +7524,8 @@
           <a:lstStyle/>
           <a:p>
             <a:r>
-              <a:rPr lang="en-US" sz="4000" dirty="0"/>
-              <a:t>Data Science vs. Machine Learning</a:t>
+              <a:rPr lang="en-US" sz="4000" b="1" dirty="0"/>
+              <a:t>Where to begin?</a:t>
             </a:r>
             <a:endParaRPr sz="4000" b="1" dirty="0"/>
           </a:p>
@@ -7558,99 +7558,61 @@
           <a:p>
             <a:r>
               <a:rPr lang="en-US" dirty="0"/>
-              <a:t>At its core, data science is a field of study that aims to use a scientific approach to extract meaning and insights from data. </a:t>
-            </a:r>
-          </a:p>
-          <a:p>
-            <a:endParaRPr lang="en-US" dirty="0"/>
-          </a:p>
-          <a:p>
-            <a:endParaRPr lang="en-US" dirty="0"/>
-          </a:p>
-          <a:p>
-            <a:r>
-              <a:rPr lang="en-US" dirty="0"/>
-              <a:t>Data science is “a combination of </a:t>
-            </a:r>
-            <a:r>
-              <a:rPr lang="en-US" u="sng" dirty="0"/>
-              <a:t>information technology, modeling, and business management</a:t>
-            </a:r>
-            <a:r>
-              <a:rPr lang="en-US" dirty="0"/>
-              <a:t>” - Dr. Thomas Miller, Northwestern University</a:t>
-            </a:r>
-          </a:p>
-          <a:p>
-            <a:endParaRPr lang="en-US" dirty="0"/>
-          </a:p>
-          <a:p>
-            <a:r>
-              <a:rPr lang="en-US" dirty="0"/>
-              <a:t>Machine learning, on the other hand, refers to a</a:t>
-            </a:r>
-            <a:r>
-              <a:rPr lang="en-US" u="sng" dirty="0"/>
-              <a:t> group of techniques</a:t>
-            </a:r>
-            <a:r>
-              <a:rPr lang="en-US" dirty="0"/>
-              <a:t> used by data scientists that allow computers to learn from data.</a:t>
+              <a:t>Motivating Questions Asked</a:t>
             </a:r>
           </a:p>
           <a:p>
             <a:pPr marL="457200" indent="-457200">
               <a:buAutoNum type="arabicPeriod"/>
             </a:pPr>
+            <a:r>
+              <a:rPr lang="en-US" dirty="0"/>
+              <a:t>Which models should I learn?</a:t>
+            </a:r>
+          </a:p>
+          <a:p>
+            <a:pPr marL="457200" indent="-457200">
+              <a:buAutoNum type="arabicPeriod"/>
+            </a:pPr>
+            <a:r>
+              <a:rPr lang="en-US" dirty="0"/>
+              <a:t>Can I use the data for any task</a:t>
+            </a:r>
+          </a:p>
+          <a:p>
+            <a:pPr marL="457200" indent="-457200">
+              <a:buAutoNum type="arabicPeriod"/>
+            </a:pPr>
+            <a:r>
+              <a:rPr lang="en-US" dirty="0"/>
+              <a:t>Should I start with Machine learning or Deep learning first?</a:t>
+            </a:r>
+          </a:p>
+          <a:p>
+            <a:pPr marL="457200" indent="-457200">
+              <a:buAutoNum type="arabicPeriod"/>
+            </a:pPr>
+            <a:r>
+              <a:rPr lang="en-US" dirty="0"/>
+              <a:t>How to get good at Data Science</a:t>
+            </a:r>
+          </a:p>
+          <a:p>
+            <a:pPr marL="457200" indent="-457200">
+              <a:buAutoNum type="arabicPeriod"/>
+            </a:pPr>
+            <a:r>
+              <a:rPr lang="en-US" dirty="0"/>
+              <a:t>…?</a:t>
+            </a:r>
             <a:endParaRPr dirty="0"/>
-          </a:p>
-        </p:txBody>
-      </p:sp>
-      <p:sp>
-        <p:nvSpPr>
-          <p:cNvPr id="2" name="TextBox 1">
-            <a:extLst>
-              <a:ext uri="{FF2B5EF4-FFF2-40B4-BE49-F238E27FC236}">
-                <a16:creationId xmlns:a16="http://schemas.microsoft.com/office/drawing/2014/main" id="{0BFA7332-4385-4BAB-8B42-AA63D88865C6}"/>
-              </a:ext>
-            </a:extLst>
-          </p:cNvPr>
-          <p:cNvSpPr txBox="1"/>
-          <p:nvPr/>
-        </p:nvSpPr>
-        <p:spPr>
-          <a:xfrm>
-            <a:off x="645763" y="5685183"/>
-            <a:ext cx="11102289" cy="246221"/>
-          </a:xfrm>
-          <a:prstGeom prst="rect">
-            <a:avLst/>
-          </a:prstGeom>
-          <a:noFill/>
-        </p:spPr>
-        <p:txBody>
-          <a:bodyPr wrap="square" rtlCol="0">
-            <a:spAutoFit/>
-          </a:bodyPr>
-          <a:lstStyle/>
-          <a:p>
-            <a:r>
-              <a:rPr lang="en-US" sz="1000" i="1" dirty="0">
-                <a:solidFill>
-                  <a:schemeClr val="bg2">
-                    <a:lumMod val="50000"/>
-                  </a:schemeClr>
-                </a:solidFill>
-              </a:rPr>
-              <a:t>*https://www.mastersindatascience.org/learning/data-science-vs-machine-learning/</a:t>
-            </a:r>
           </a:p>
         </p:txBody>
       </p:sp>
     </p:spTree>
     <p:extLst>
       <p:ext uri="{BB962C8B-B14F-4D97-AF65-F5344CB8AC3E}">
-        <p14:creationId xmlns:p14="http://schemas.microsoft.com/office/powerpoint/2010/main" val="2007780096"/>
+        <p14:creationId xmlns:p14="http://schemas.microsoft.com/office/powerpoint/2010/main" val="2675266753"/>
       </p:ext>
     </p:extLst>
   </p:cSld>
@@ -7754,7 +7716,7 @@
                                         <p:tgtEl>
                                           <p:spTgt spid="96">
                                             <p:txEl>
-                                              <p:pRg st="3" end="3"/>
+                                              <p:pRg st="1" end="1"/>
                                             </p:txEl>
                                           </p:spTgt>
                                         </p:tgtEl>
@@ -7772,7 +7734,7 @@
                                         <p:tgtEl>
                                           <p:spTgt spid="96">
                                             <p:txEl>
-                                              <p:pRg st="3" end="3"/>
+                                              <p:pRg st="1" end="1"/>
                                             </p:txEl>
                                           </p:spTgt>
                                         </p:tgtEl>
@@ -7815,6 +7777,189 @@
                                         <p:tgtEl>
                                           <p:spTgt spid="96">
                                             <p:txEl>
+                                              <p:pRg st="2" end="2"/>
+                                            </p:txEl>
+                                          </p:spTgt>
+                                        </p:tgtEl>
+                                        <p:attrNameLst>
+                                          <p:attrName>style.visibility</p:attrName>
+                                        </p:attrNameLst>
+                                      </p:cBhvr>
+                                      <p:to>
+                                        <p:strVal val="visible"/>
+                                      </p:to>
+                                    </p:set>
+                                    <p:animEffect transition="in" filter="fade">
+                                      <p:cBhvr>
+                                        <p:cTn id="17" dur="1000"/>
+                                        <p:tgtEl>
+                                          <p:spTgt spid="96">
+                                            <p:txEl>
+                                              <p:pRg st="2" end="2"/>
+                                            </p:txEl>
+                                          </p:spTgt>
+                                        </p:tgtEl>
+                                      </p:cBhvr>
+                                    </p:animEffect>
+                                  </p:childTnLst>
+                                </p:cTn>
+                              </p:par>
+                            </p:childTnLst>
+                          </p:cTn>
+                        </p:par>
+                      </p:childTnLst>
+                    </p:cTn>
+                  </p:par>
+                  <p:par>
+                    <p:cTn id="18" fill="hold">
+                      <p:stCondLst>
+                        <p:cond delay="indefinite"/>
+                      </p:stCondLst>
+                      <p:childTnLst>
+                        <p:par>
+                          <p:cTn id="19" fill="hold">
+                            <p:stCondLst>
+                              <p:cond delay="0"/>
+                            </p:stCondLst>
+                            <p:childTnLst>
+                              <p:par>
+                                <p:cTn id="20" presetID="10" presetClass="entr" presetSubtype="0" fill="hold" nodeType="clickEffect">
+                                  <p:stCondLst>
+                                    <p:cond delay="0"/>
+                                  </p:stCondLst>
+                                  <p:childTnLst>
+                                    <p:set>
+                                      <p:cBhvr>
+                                        <p:cTn id="21" dur="1" fill="hold">
+                                          <p:stCondLst>
+                                            <p:cond delay="0"/>
+                                          </p:stCondLst>
+                                        </p:cTn>
+                                        <p:tgtEl>
+                                          <p:spTgt spid="96">
+                                            <p:txEl>
+                                              <p:pRg st="3" end="3"/>
+                                            </p:txEl>
+                                          </p:spTgt>
+                                        </p:tgtEl>
+                                        <p:attrNameLst>
+                                          <p:attrName>style.visibility</p:attrName>
+                                        </p:attrNameLst>
+                                      </p:cBhvr>
+                                      <p:to>
+                                        <p:strVal val="visible"/>
+                                      </p:to>
+                                    </p:set>
+                                    <p:animEffect transition="in" filter="fade">
+                                      <p:cBhvr>
+                                        <p:cTn id="22" dur="1000"/>
+                                        <p:tgtEl>
+                                          <p:spTgt spid="96">
+                                            <p:txEl>
+                                              <p:pRg st="3" end="3"/>
+                                            </p:txEl>
+                                          </p:spTgt>
+                                        </p:tgtEl>
+                                      </p:cBhvr>
+                                    </p:animEffect>
+                                  </p:childTnLst>
+                                </p:cTn>
+                              </p:par>
+                            </p:childTnLst>
+                          </p:cTn>
+                        </p:par>
+                      </p:childTnLst>
+                    </p:cTn>
+                  </p:par>
+                  <p:par>
+                    <p:cTn id="23" fill="hold">
+                      <p:stCondLst>
+                        <p:cond delay="indefinite"/>
+                      </p:stCondLst>
+                      <p:childTnLst>
+                        <p:par>
+                          <p:cTn id="24" fill="hold">
+                            <p:stCondLst>
+                              <p:cond delay="0"/>
+                            </p:stCondLst>
+                            <p:childTnLst>
+                              <p:par>
+                                <p:cTn id="25" presetID="10" presetClass="entr" presetSubtype="0" fill="hold" nodeType="clickEffect">
+                                  <p:stCondLst>
+                                    <p:cond delay="0"/>
+                                  </p:stCondLst>
+                                  <p:childTnLst>
+                                    <p:set>
+                                      <p:cBhvr>
+                                        <p:cTn id="26" dur="1" fill="hold">
+                                          <p:stCondLst>
+                                            <p:cond delay="0"/>
+                                          </p:stCondLst>
+                                        </p:cTn>
+                                        <p:tgtEl>
+                                          <p:spTgt spid="96">
+                                            <p:txEl>
+                                              <p:pRg st="4" end="4"/>
+                                            </p:txEl>
+                                          </p:spTgt>
+                                        </p:tgtEl>
+                                        <p:attrNameLst>
+                                          <p:attrName>style.visibility</p:attrName>
+                                        </p:attrNameLst>
+                                      </p:cBhvr>
+                                      <p:to>
+                                        <p:strVal val="visible"/>
+                                      </p:to>
+                                    </p:set>
+                                    <p:animEffect transition="in" filter="fade">
+                                      <p:cBhvr>
+                                        <p:cTn id="27" dur="1000"/>
+                                        <p:tgtEl>
+                                          <p:spTgt spid="96">
+                                            <p:txEl>
+                                              <p:pRg st="4" end="4"/>
+                                            </p:txEl>
+                                          </p:spTgt>
+                                        </p:tgtEl>
+                                      </p:cBhvr>
+                                    </p:animEffect>
+                                  </p:childTnLst>
+                                </p:cTn>
+                              </p:par>
+                            </p:childTnLst>
+                          </p:cTn>
+                        </p:par>
+                      </p:childTnLst>
+                    </p:cTn>
+                  </p:par>
+                  <p:par>
+                    <p:cTn id="28" fill="hold">
+                      <p:stCondLst>
+                        <p:cond delay="indefinite"/>
+                      </p:stCondLst>
+                      <p:childTnLst>
+                        <p:par>
+                          <p:cTn id="29" fill="hold">
+                            <p:stCondLst>
+                              <p:cond delay="0"/>
+                            </p:stCondLst>
+                            <p:childTnLst>
+                              <p:par>
+                                <p:cTn id="30" presetID="10" presetClass="entr" presetSubtype="0" fill="hold" nodeType="clickEffect">
+                                  <p:stCondLst>
+                                    <p:cond delay="0"/>
+                                  </p:stCondLst>
+                                  <p:childTnLst>
+                                    <p:set>
+                                      <p:cBhvr>
+                                        <p:cTn id="31" dur="1" fill="hold">
+                                          <p:stCondLst>
+                                            <p:cond delay="0"/>
+                                          </p:stCondLst>
+                                        </p:cTn>
+                                        <p:tgtEl>
+                                          <p:spTgt spid="96">
+                                            <p:txEl>
                                               <p:pRg st="5" end="5"/>
                                             </p:txEl>
                                           </p:spTgt>
@@ -7829,7 +7974,7 @@
                                     </p:set>
                                     <p:animEffect transition="in" filter="fade">
                                       <p:cBhvr>
-                                        <p:cTn id="17" dur="1000"/>
+                                        <p:cTn id="32" dur="1000"/>
                                         <p:tgtEl>
                                           <p:spTgt spid="96">
                                             <p:txEl>
@@ -11304,8 +11449,8 @@
         </p:nvSpPr>
         <p:spPr>
           <a:xfrm>
-            <a:off x="1937200" y="2277867"/>
-            <a:ext cx="8469070" cy="3654400"/>
+            <a:off x="1937199" y="2277867"/>
+            <a:ext cx="9482861" cy="3654400"/>
           </a:xfrm>
           <a:prstGeom prst="rect">
             <a:avLst/>
@@ -11362,8 +11507,24 @@
               <a:buChar char="○"/>
             </a:pPr>
             <a:r>
+              <a:rPr lang="en-US" sz="3200" dirty="0"/>
+              <a:t>R</a:t>
+            </a:r>
+            <a:r>
               <a:rPr lang="en" sz="3200" dirty="0"/>
-              <a:t>literature reviews</a:t>
+              <a:t>eview </a:t>
+            </a:r>
+            <a:r>
+              <a:rPr lang="en-US" sz="3200" dirty="0"/>
+              <a:t>existing models (</a:t>
+            </a:r>
+            <a:r>
+              <a:rPr lang="en-US" sz="3200" dirty="0" err="1"/>
+              <a:t>github</a:t>
+            </a:r>
+            <a:r>
+              <a:rPr lang="en-US" sz="3200" dirty="0"/>
+              <a:t>, Kaggle, …)</a:t>
             </a:r>
             <a:endParaRPr sz="3200" dirty="0"/>
           </a:p>
@@ -11566,7 +11727,18 @@
             </a:pPr>
             <a:r>
               <a:rPr lang="en-US" dirty="0"/>
-              <a:t>Note about Class participation: At end of each class, pop-up quiz</a:t>
+              <a:t>Note about Class participation: At end of each class, pop-up quiz (except today)</a:t>
+            </a:r>
+          </a:p>
+          <a:p>
+            <a:pPr marL="1054083" lvl="1" indent="-342900">
+              <a:buSzPts val="2400"/>
+              <a:buFont typeface="Arial" panose="020B0604020202020204" pitchFamily="34" charset="0"/>
+              <a:buChar char="•"/>
+            </a:pPr>
+            <a:r>
+              <a:rPr lang="en-US" dirty="0"/>
+              <a:t>This week is to familiarize ourselves with the course</a:t>
             </a:r>
           </a:p>
           <a:p>
@@ -11960,6 +12132,67 @@
                                           <p:spTgt spid="5">
                                             <p:txEl>
                                               <p:pRg st="5" end="5"/>
+                                            </p:txEl>
+                                          </p:spTgt>
+                                        </p:tgtEl>
+                                      </p:cBhvr>
+                                    </p:animEffect>
+                                  </p:childTnLst>
+                                </p:cTn>
+                              </p:par>
+                            </p:childTnLst>
+                          </p:cTn>
+                        </p:par>
+                      </p:childTnLst>
+                    </p:cTn>
+                  </p:par>
+                  <p:par>
+                    <p:cTn id="33" fill="hold">
+                      <p:stCondLst>
+                        <p:cond delay="indefinite"/>
+                      </p:stCondLst>
+                      <p:childTnLst>
+                        <p:par>
+                          <p:cTn id="34" fill="hold">
+                            <p:stCondLst>
+                              <p:cond delay="0"/>
+                            </p:stCondLst>
+                            <p:childTnLst>
+                              <p:par>
+                                <p:cTn id="35" presetID="10" presetClass="entr" presetSubtype="0" fill="hold" nodeType="clickEffect">
+                                  <p:stCondLst>
+                                    <p:cond delay="0"/>
+                                  </p:stCondLst>
+                                  <p:childTnLst>
+                                    <p:set>
+                                      <p:cBhvr>
+                                        <p:cTn id="36" dur="1" fill="hold">
+                                          <p:stCondLst>
+                                            <p:cond delay="0"/>
+                                          </p:stCondLst>
+                                        </p:cTn>
+                                        <p:tgtEl>
+                                          <p:spTgt spid="5">
+                                            <p:txEl>
+                                              <p:pRg st="6" end="6"/>
+                                            </p:txEl>
+                                          </p:spTgt>
+                                        </p:tgtEl>
+                                        <p:attrNameLst>
+                                          <p:attrName>style.visibility</p:attrName>
+                                        </p:attrNameLst>
+                                      </p:cBhvr>
+                                      <p:to>
+                                        <p:strVal val="visible"/>
+                                      </p:to>
+                                    </p:set>
+                                    <p:animEffect transition="in" filter="fade">
+                                      <p:cBhvr>
+                                        <p:cTn id="37" dur="1000"/>
+                                        <p:tgtEl>
+                                          <p:spTgt spid="5">
+                                            <p:txEl>
+                                              <p:pRg st="6" end="6"/>
                                             </p:txEl>
                                           </p:spTgt>
                                         </p:tgtEl>
@@ -18489,7 +18722,7 @@
             </a:r>
             <a:r>
               <a:rPr lang="en-US" sz="2800" dirty="0"/>
-              <a:t> a single use case</a:t>
+              <a:t> one use case, end-to-end</a:t>
             </a:r>
           </a:p>
           <a:p>
@@ -18691,6 +18924,398 @@
 </file>
 
 <file path=ppt/slides/slide5.xml><?xml version="1.0" encoding="utf-8"?>
+<p:sld xmlns:a="http://schemas.openxmlformats.org/drawingml/2006/main" xmlns:r="http://schemas.openxmlformats.org/officeDocument/2006/relationships" xmlns:p="http://schemas.openxmlformats.org/presentationml/2006/main">
+  <p:cSld>
+    <p:spTree>
+      <p:nvGrpSpPr>
+        <p:cNvPr id="1" name="Shape 94"/>
+        <p:cNvGrpSpPr/>
+        <p:nvPr/>
+      </p:nvGrpSpPr>
+      <p:grpSpPr>
+        <a:xfrm>
+          <a:off x="0" y="0"/>
+          <a:ext cx="0" cy="0"/>
+          <a:chOff x="0" y="0"/>
+          <a:chExt cx="0" cy="0"/>
+        </a:xfrm>
+      </p:grpSpPr>
+      <p:sp>
+        <p:nvSpPr>
+          <p:cNvPr id="95" name="Google Shape;95;p14"/>
+          <p:cNvSpPr txBox="1">
+            <a:spLocks noGrp="1"/>
+          </p:cNvSpPr>
+          <p:nvPr>
+            <p:ph type="title" idx="4294967295"/>
+          </p:nvPr>
+        </p:nvSpPr>
+        <p:spPr>
+          <a:xfrm>
+            <a:off x="717173" y="557432"/>
+            <a:ext cx="10972800" cy="630772"/>
+          </a:xfrm>
+          <a:prstGeom prst="rect">
+            <a:avLst/>
+          </a:prstGeom>
+        </p:spPr>
+        <p:txBody>
+          <a:bodyPr spcFirstLastPara="1" wrap="square" lIns="121900" tIns="121900" rIns="121900" bIns="121900" anchor="ctr" anchorCtr="0">
+            <a:noAutofit/>
+          </a:bodyPr>
+          <a:lstStyle/>
+          <a:p>
+            <a:r>
+              <a:rPr lang="en-US" sz="4000" dirty="0"/>
+              <a:t>Data Science vs. Machine Learning</a:t>
+            </a:r>
+            <a:endParaRPr sz="4000" b="1" dirty="0"/>
+          </a:p>
+        </p:txBody>
+      </p:sp>
+      <p:sp>
+        <p:nvSpPr>
+          <p:cNvPr id="96" name="Google Shape;96;p14"/>
+          <p:cNvSpPr txBox="1"/>
+          <p:nvPr/>
+        </p:nvSpPr>
+        <p:spPr>
+          <a:xfrm>
+            <a:off x="645763" y="1188204"/>
+            <a:ext cx="11189776" cy="4736821"/>
+          </a:xfrm>
+          <a:prstGeom prst="rect">
+            <a:avLst/>
+          </a:prstGeom>
+          <a:noFill/>
+          <a:ln>
+            <a:noFill/>
+          </a:ln>
+        </p:spPr>
+        <p:txBody>
+          <a:bodyPr spcFirstLastPara="1" wrap="square" lIns="121900" tIns="121900" rIns="121900" bIns="121900" anchor="t" anchorCtr="0">
+            <a:noAutofit/>
+          </a:bodyPr>
+          <a:lstStyle/>
+          <a:p>
+            <a:r>
+              <a:rPr lang="en-US" dirty="0"/>
+              <a:t>At its core, data science is a field of study that aims to use a scientific approach to extract meaning and insights from data. </a:t>
+            </a:r>
+          </a:p>
+          <a:p>
+            <a:endParaRPr lang="en-US" dirty="0"/>
+          </a:p>
+          <a:p>
+            <a:endParaRPr lang="en-US" dirty="0"/>
+          </a:p>
+          <a:p>
+            <a:r>
+              <a:rPr lang="en-US" dirty="0"/>
+              <a:t>Data science is “a combination of </a:t>
+            </a:r>
+            <a:r>
+              <a:rPr lang="en-US" u="sng" dirty="0"/>
+              <a:t>information technology, modeling, and business management</a:t>
+            </a:r>
+            <a:r>
+              <a:rPr lang="en-US" dirty="0"/>
+              <a:t>” - Dr. Thomas Miller, Northwestern University</a:t>
+            </a:r>
+          </a:p>
+          <a:p>
+            <a:endParaRPr lang="en-US" dirty="0"/>
+          </a:p>
+          <a:p>
+            <a:r>
+              <a:rPr lang="en-US" dirty="0"/>
+              <a:t>Machine learning, on the other hand, refers to a</a:t>
+            </a:r>
+            <a:r>
+              <a:rPr lang="en-US" u="sng" dirty="0"/>
+              <a:t> group of techniques</a:t>
+            </a:r>
+            <a:r>
+              <a:rPr lang="en-US" dirty="0"/>
+              <a:t> used by data scientists that allow computers to learn from data.</a:t>
+            </a:r>
+          </a:p>
+          <a:p>
+            <a:pPr marL="457200" indent="-457200">
+              <a:buAutoNum type="arabicPeriod"/>
+            </a:pPr>
+            <a:endParaRPr dirty="0"/>
+          </a:p>
+        </p:txBody>
+      </p:sp>
+      <p:sp>
+        <p:nvSpPr>
+          <p:cNvPr id="2" name="TextBox 1">
+            <a:extLst>
+              <a:ext uri="{FF2B5EF4-FFF2-40B4-BE49-F238E27FC236}">
+                <a16:creationId xmlns:a16="http://schemas.microsoft.com/office/drawing/2014/main" id="{0BFA7332-4385-4BAB-8B42-AA63D88865C6}"/>
+              </a:ext>
+            </a:extLst>
+          </p:cNvPr>
+          <p:cNvSpPr txBox="1"/>
+          <p:nvPr/>
+        </p:nvSpPr>
+        <p:spPr>
+          <a:xfrm>
+            <a:off x="645763" y="5685183"/>
+            <a:ext cx="11102289" cy="246221"/>
+          </a:xfrm>
+          <a:prstGeom prst="rect">
+            <a:avLst/>
+          </a:prstGeom>
+          <a:noFill/>
+        </p:spPr>
+        <p:txBody>
+          <a:bodyPr wrap="square" rtlCol="0">
+            <a:spAutoFit/>
+          </a:bodyPr>
+          <a:lstStyle/>
+          <a:p>
+            <a:r>
+              <a:rPr lang="en-US" sz="1000" i="1" dirty="0">
+                <a:solidFill>
+                  <a:schemeClr val="bg2">
+                    <a:lumMod val="50000"/>
+                  </a:schemeClr>
+                </a:solidFill>
+              </a:rPr>
+              <a:t>*https://www.mastersindatascience.org/learning/data-science-vs-machine-learning/</a:t>
+            </a:r>
+          </a:p>
+        </p:txBody>
+      </p:sp>
+    </p:spTree>
+    <p:extLst>
+      <p:ext uri="{BB962C8B-B14F-4D97-AF65-F5344CB8AC3E}">
+        <p14:creationId xmlns:p14="http://schemas.microsoft.com/office/powerpoint/2010/main" val="2007780096"/>
+      </p:ext>
+    </p:extLst>
+  </p:cSld>
+  <p:clrMapOvr>
+    <a:masterClrMapping/>
+  </p:clrMapOvr>
+  <p:timing>
+    <p:tnLst>
+      <p:par>
+        <p:cTn id="1" dur="indefinite" restart="never" nodeType="tmRoot">
+          <p:childTnLst>
+            <p:seq concurrent="1" nextAc="seek">
+              <p:cTn id="2" dur="indefinite" nodeType="mainSeq">
+                <p:childTnLst>
+                  <p:par>
+                    <p:cTn id="3" fill="hold">
+                      <p:stCondLst>
+                        <p:cond delay="indefinite"/>
+                      </p:stCondLst>
+                      <p:childTnLst>
+                        <p:par>
+                          <p:cTn id="4" fill="hold">
+                            <p:stCondLst>
+                              <p:cond delay="0"/>
+                            </p:stCondLst>
+                            <p:childTnLst>
+                              <p:par>
+                                <p:cTn id="5" presetID="10" presetClass="entr" presetSubtype="0" fill="hold" nodeType="clickEffect">
+                                  <p:stCondLst>
+                                    <p:cond delay="0"/>
+                                  </p:stCondLst>
+                                  <p:childTnLst>
+                                    <p:set>
+                                      <p:cBhvr>
+                                        <p:cTn id="6" dur="1" fill="hold">
+                                          <p:stCondLst>
+                                            <p:cond delay="0"/>
+                                          </p:stCondLst>
+                                        </p:cTn>
+                                        <p:tgtEl>
+                                          <p:spTgt spid="96">
+                                            <p:txEl>
+                                              <p:pRg st="0" end="0"/>
+                                            </p:txEl>
+                                          </p:spTgt>
+                                        </p:tgtEl>
+                                        <p:attrNameLst>
+                                          <p:attrName>style.visibility</p:attrName>
+                                        </p:attrNameLst>
+                                      </p:cBhvr>
+                                      <p:to>
+                                        <p:strVal val="visible"/>
+                                      </p:to>
+                                    </p:set>
+                                    <p:animEffect transition="in" filter="fade">
+                                      <p:cBhvr>
+                                        <p:cTn id="7" dur="1000"/>
+                                        <p:tgtEl>
+                                          <p:spTgt spid="96">
+                                            <p:txEl>
+                                              <p:pRg st="0" end="0"/>
+                                            </p:txEl>
+                                          </p:spTgt>
+                                        </p:tgtEl>
+                                      </p:cBhvr>
+                                    </p:animEffect>
+                                  </p:childTnLst>
+                                </p:cTn>
+                              </p:par>
+                            </p:childTnLst>
+                          </p:cTn>
+                        </p:par>
+                      </p:childTnLst>
+                    </p:cTn>
+                  </p:par>
+                  <p:par>
+                    <p:cTn id="8" fill="hold">
+                      <p:stCondLst>
+                        <p:cond delay="indefinite"/>
+                      </p:stCondLst>
+                      <p:childTnLst>
+                        <p:par>
+                          <p:cTn id="9" fill="hold">
+                            <p:stCondLst>
+                              <p:cond delay="0"/>
+                            </p:stCondLst>
+                            <p:childTnLst>
+                              <p:par>
+                                <p:cTn id="10" presetID="10" presetClass="entr" presetSubtype="0" fill="hold" nodeType="clickEffect">
+                                  <p:stCondLst>
+                                    <p:cond delay="0"/>
+                                  </p:stCondLst>
+                                  <p:childTnLst>
+                                    <p:set>
+                                      <p:cBhvr>
+                                        <p:cTn id="11" dur="1" fill="hold">
+                                          <p:stCondLst>
+                                            <p:cond delay="0"/>
+                                          </p:stCondLst>
+                                        </p:cTn>
+                                        <p:tgtEl>
+                                          <p:spTgt spid="96">
+                                            <p:txEl>
+                                              <p:pRg st="3" end="3"/>
+                                            </p:txEl>
+                                          </p:spTgt>
+                                        </p:tgtEl>
+                                        <p:attrNameLst>
+                                          <p:attrName>style.visibility</p:attrName>
+                                        </p:attrNameLst>
+                                      </p:cBhvr>
+                                      <p:to>
+                                        <p:strVal val="visible"/>
+                                      </p:to>
+                                    </p:set>
+                                    <p:animEffect transition="in" filter="fade">
+                                      <p:cBhvr>
+                                        <p:cTn id="12" dur="1000"/>
+                                        <p:tgtEl>
+                                          <p:spTgt spid="96">
+                                            <p:txEl>
+                                              <p:pRg st="3" end="3"/>
+                                            </p:txEl>
+                                          </p:spTgt>
+                                        </p:tgtEl>
+                                      </p:cBhvr>
+                                    </p:animEffect>
+                                  </p:childTnLst>
+                                </p:cTn>
+                              </p:par>
+                            </p:childTnLst>
+                          </p:cTn>
+                        </p:par>
+                      </p:childTnLst>
+                    </p:cTn>
+                  </p:par>
+                  <p:par>
+                    <p:cTn id="13" fill="hold">
+                      <p:stCondLst>
+                        <p:cond delay="indefinite"/>
+                      </p:stCondLst>
+                      <p:childTnLst>
+                        <p:par>
+                          <p:cTn id="14" fill="hold">
+                            <p:stCondLst>
+                              <p:cond delay="0"/>
+                            </p:stCondLst>
+                            <p:childTnLst>
+                              <p:par>
+                                <p:cTn id="15" presetID="10" presetClass="entr" presetSubtype="0" fill="hold" nodeType="clickEffect">
+                                  <p:stCondLst>
+                                    <p:cond delay="0"/>
+                                  </p:stCondLst>
+                                  <p:childTnLst>
+                                    <p:set>
+                                      <p:cBhvr>
+                                        <p:cTn id="16" dur="1" fill="hold">
+                                          <p:stCondLst>
+                                            <p:cond delay="0"/>
+                                          </p:stCondLst>
+                                        </p:cTn>
+                                        <p:tgtEl>
+                                          <p:spTgt spid="96">
+                                            <p:txEl>
+                                              <p:pRg st="5" end="5"/>
+                                            </p:txEl>
+                                          </p:spTgt>
+                                        </p:tgtEl>
+                                        <p:attrNameLst>
+                                          <p:attrName>style.visibility</p:attrName>
+                                        </p:attrNameLst>
+                                      </p:cBhvr>
+                                      <p:to>
+                                        <p:strVal val="visible"/>
+                                      </p:to>
+                                    </p:set>
+                                    <p:animEffect transition="in" filter="fade">
+                                      <p:cBhvr>
+                                        <p:cTn id="17" dur="1000"/>
+                                        <p:tgtEl>
+                                          <p:spTgt spid="96">
+                                            <p:txEl>
+                                              <p:pRg st="5" end="5"/>
+                                            </p:txEl>
+                                          </p:spTgt>
+                                        </p:tgtEl>
+                                      </p:cBhvr>
+                                    </p:animEffect>
+                                  </p:childTnLst>
+                                </p:cTn>
+                              </p:par>
+                            </p:childTnLst>
+                          </p:cTn>
+                        </p:par>
+                      </p:childTnLst>
+                    </p:cTn>
+                  </p:par>
+                </p:childTnLst>
+              </p:cTn>
+              <p:prevCondLst>
+                <p:cond evt="onPrev" delay="0">
+                  <p:tgtEl>
+                    <p:sldTgt/>
+                  </p:tgtEl>
+                </p:cond>
+              </p:prevCondLst>
+              <p:nextCondLst>
+                <p:cond evt="onNext" delay="0">
+                  <p:tgtEl>
+                    <p:sldTgt/>
+                  </p:tgtEl>
+                </p:cond>
+              </p:nextCondLst>
+            </p:seq>
+          </p:childTnLst>
+        </p:cTn>
+      </p:par>
+    </p:tnLst>
+  </p:timing>
+</p:sld>
+</file>
+
+<file path=ppt/slides/slide6.xml><?xml version="1.0" encoding="utf-8"?>
 <p:sld xmlns:a="http://schemas.openxmlformats.org/drawingml/2006/main" xmlns:r="http://schemas.openxmlformats.org/officeDocument/2006/relationships" xmlns:p="http://schemas.openxmlformats.org/presentationml/2006/main">
   <p:cSld>
     <p:spTree>
@@ -19050,7 +19675,7 @@
 </p:sld>
 </file>
 
-<file path=ppt/slides/slide6.xml><?xml version="1.0" encoding="utf-8"?>
+<file path=ppt/slides/slide7.xml><?xml version="1.0" encoding="utf-8"?>
 <p:sld xmlns:a="http://schemas.openxmlformats.org/drawingml/2006/main" xmlns:r="http://schemas.openxmlformats.org/officeDocument/2006/relationships" xmlns:p="http://schemas.openxmlformats.org/presentationml/2006/main">
   <p:cSld>
     <p:spTree>
@@ -19555,7 +20180,7 @@
 </p:sld>
 </file>
 
-<file path=ppt/slides/slide7.xml><?xml version="1.0" encoding="utf-8"?>
+<file path=ppt/slides/slide8.xml><?xml version="1.0" encoding="utf-8"?>
 <p:sld xmlns:a="http://schemas.openxmlformats.org/drawingml/2006/main" xmlns:r="http://schemas.openxmlformats.org/officeDocument/2006/relationships" xmlns:p="http://schemas.openxmlformats.org/presentationml/2006/main">
   <p:cSld>
     <p:spTree>
@@ -20083,7 +20708,7 @@
 </p:sld>
 </file>
 
-<file path=ppt/slides/slide8.xml><?xml version="1.0" encoding="utf-8"?>
+<file path=ppt/slides/slide9.xml><?xml version="1.0" encoding="utf-8"?>
 <p:sld xmlns:a="http://schemas.openxmlformats.org/drawingml/2006/main" xmlns:r="http://schemas.openxmlformats.org/officeDocument/2006/relationships" xmlns:p="http://schemas.openxmlformats.org/presentationml/2006/main">
   <p:cSld>
     <p:spTree>
@@ -20993,543 +21618,6 @@
                                           <p:spTgt spid="96">
                                             <p:txEl>
                                               <p:pRg st="10" end="10"/>
-                                            </p:txEl>
-                                          </p:spTgt>
-                                        </p:tgtEl>
-                                      </p:cBhvr>
-                                    </p:animEffect>
-                                  </p:childTnLst>
-                                </p:cTn>
-                              </p:par>
-                            </p:childTnLst>
-                          </p:cTn>
-                        </p:par>
-                      </p:childTnLst>
-                    </p:cTn>
-                  </p:par>
-                </p:childTnLst>
-              </p:cTn>
-              <p:prevCondLst>
-                <p:cond evt="onPrev" delay="0">
-                  <p:tgtEl>
-                    <p:sldTgt/>
-                  </p:tgtEl>
-                </p:cond>
-              </p:prevCondLst>
-              <p:nextCondLst>
-                <p:cond evt="onNext" delay="0">
-                  <p:tgtEl>
-                    <p:sldTgt/>
-                  </p:tgtEl>
-                </p:cond>
-              </p:nextCondLst>
-            </p:seq>
-          </p:childTnLst>
-        </p:cTn>
-      </p:par>
-    </p:tnLst>
-  </p:timing>
-</p:sld>
-</file>
-
-<file path=ppt/slides/slide9.xml><?xml version="1.0" encoding="utf-8"?>
-<p:sld xmlns:a="http://schemas.openxmlformats.org/drawingml/2006/main" xmlns:r="http://schemas.openxmlformats.org/officeDocument/2006/relationships" xmlns:p="http://schemas.openxmlformats.org/presentationml/2006/main">
-  <p:cSld>
-    <p:spTree>
-      <p:nvGrpSpPr>
-        <p:cNvPr id="1" name="Shape 94"/>
-        <p:cNvGrpSpPr/>
-        <p:nvPr/>
-      </p:nvGrpSpPr>
-      <p:grpSpPr>
-        <a:xfrm>
-          <a:off x="0" y="0"/>
-          <a:ext cx="0" cy="0"/>
-          <a:chOff x="0" y="0"/>
-          <a:chExt cx="0" cy="0"/>
-        </a:xfrm>
-      </p:grpSpPr>
-      <p:sp>
-        <p:nvSpPr>
-          <p:cNvPr id="95" name="Google Shape;95;p14"/>
-          <p:cNvSpPr txBox="1">
-            <a:spLocks noGrp="1"/>
-          </p:cNvSpPr>
-          <p:nvPr>
-            <p:ph type="title" idx="4294967295"/>
-          </p:nvPr>
-        </p:nvSpPr>
-        <p:spPr>
-          <a:xfrm>
-            <a:off x="717173" y="557432"/>
-            <a:ext cx="10972800" cy="630772"/>
-          </a:xfrm>
-          <a:prstGeom prst="rect">
-            <a:avLst/>
-          </a:prstGeom>
-        </p:spPr>
-        <p:txBody>
-          <a:bodyPr spcFirstLastPara="1" wrap="square" lIns="121900" tIns="121900" rIns="121900" bIns="121900" anchor="ctr" anchorCtr="0">
-            <a:noAutofit/>
-          </a:bodyPr>
-          <a:lstStyle/>
-          <a:p>
-            <a:r>
-              <a:rPr lang="en-US" sz="4000" b="1" dirty="0"/>
-              <a:t>Where to begin?</a:t>
-            </a:r>
-            <a:endParaRPr sz="4000" b="1" dirty="0"/>
-          </a:p>
-        </p:txBody>
-      </p:sp>
-      <p:sp>
-        <p:nvSpPr>
-          <p:cNvPr id="96" name="Google Shape;96;p14"/>
-          <p:cNvSpPr txBox="1"/>
-          <p:nvPr/>
-        </p:nvSpPr>
-        <p:spPr>
-          <a:xfrm>
-            <a:off x="645763" y="1188204"/>
-            <a:ext cx="11189776" cy="4736821"/>
-          </a:xfrm>
-          <a:prstGeom prst="rect">
-            <a:avLst/>
-          </a:prstGeom>
-          <a:noFill/>
-          <a:ln>
-            <a:noFill/>
-          </a:ln>
-        </p:spPr>
-        <p:txBody>
-          <a:bodyPr spcFirstLastPara="1" wrap="square" lIns="121900" tIns="121900" rIns="121900" bIns="121900" anchor="t" anchorCtr="0">
-            <a:noAutofit/>
-          </a:bodyPr>
-          <a:lstStyle/>
-          <a:p>
-            <a:r>
-              <a:rPr lang="en-US" dirty="0"/>
-              <a:t>Motivating Questions Asked</a:t>
-            </a:r>
-          </a:p>
-          <a:p>
-            <a:pPr marL="457200" indent="-457200">
-              <a:buAutoNum type="arabicPeriod"/>
-            </a:pPr>
-            <a:r>
-              <a:rPr lang="en-US" dirty="0"/>
-              <a:t>Which models should I learn?</a:t>
-            </a:r>
-          </a:p>
-          <a:p>
-            <a:pPr marL="457200" indent="-457200">
-              <a:buAutoNum type="arabicPeriod"/>
-            </a:pPr>
-            <a:r>
-              <a:rPr lang="en-US" dirty="0"/>
-              <a:t>Can I use the data for any task</a:t>
-            </a:r>
-          </a:p>
-          <a:p>
-            <a:pPr marL="457200" indent="-457200">
-              <a:buAutoNum type="arabicPeriod"/>
-            </a:pPr>
-            <a:r>
-              <a:rPr lang="en-US" dirty="0"/>
-              <a:t>Should I start with Machine learning or Deep learning first?</a:t>
-            </a:r>
-          </a:p>
-          <a:p>
-            <a:pPr marL="457200" indent="-457200">
-              <a:buAutoNum type="arabicPeriod"/>
-            </a:pPr>
-            <a:r>
-              <a:rPr lang="en-US" dirty="0"/>
-              <a:t>How to get good at Data Science</a:t>
-            </a:r>
-          </a:p>
-          <a:p>
-            <a:pPr marL="457200" indent="-457200">
-              <a:buAutoNum type="arabicPeriod"/>
-            </a:pPr>
-            <a:r>
-              <a:rPr lang="en-US" dirty="0"/>
-              <a:t>…?</a:t>
-            </a:r>
-            <a:endParaRPr dirty="0"/>
-          </a:p>
-        </p:txBody>
-      </p:sp>
-    </p:spTree>
-    <p:extLst>
-      <p:ext uri="{BB962C8B-B14F-4D97-AF65-F5344CB8AC3E}">
-        <p14:creationId xmlns:p14="http://schemas.microsoft.com/office/powerpoint/2010/main" val="2675266753"/>
-      </p:ext>
-    </p:extLst>
-  </p:cSld>
-  <p:clrMapOvr>
-    <a:masterClrMapping/>
-  </p:clrMapOvr>
-  <p:timing>
-    <p:tnLst>
-      <p:par>
-        <p:cTn id="1" dur="indefinite" restart="never" nodeType="tmRoot">
-          <p:childTnLst>
-            <p:seq concurrent="1" nextAc="seek">
-              <p:cTn id="2" dur="indefinite" nodeType="mainSeq">
-                <p:childTnLst>
-                  <p:par>
-                    <p:cTn id="3" fill="hold">
-                      <p:stCondLst>
-                        <p:cond delay="indefinite"/>
-                      </p:stCondLst>
-                      <p:childTnLst>
-                        <p:par>
-                          <p:cTn id="4" fill="hold">
-                            <p:stCondLst>
-                              <p:cond delay="0"/>
-                            </p:stCondLst>
-                            <p:childTnLst>
-                              <p:par>
-                                <p:cTn id="5" presetID="10" presetClass="entr" presetSubtype="0" fill="hold" nodeType="clickEffect">
-                                  <p:stCondLst>
-                                    <p:cond delay="0"/>
-                                  </p:stCondLst>
-                                  <p:childTnLst>
-                                    <p:set>
-                                      <p:cBhvr>
-                                        <p:cTn id="6" dur="1" fill="hold">
-                                          <p:stCondLst>
-                                            <p:cond delay="0"/>
-                                          </p:stCondLst>
-                                        </p:cTn>
-                                        <p:tgtEl>
-                                          <p:spTgt spid="96">
-                                            <p:txEl>
-                                              <p:pRg st="0" end="0"/>
-                                            </p:txEl>
-                                          </p:spTgt>
-                                        </p:tgtEl>
-                                        <p:attrNameLst>
-                                          <p:attrName>style.visibility</p:attrName>
-                                        </p:attrNameLst>
-                                      </p:cBhvr>
-                                      <p:to>
-                                        <p:strVal val="visible"/>
-                                      </p:to>
-                                    </p:set>
-                                    <p:animEffect transition="in" filter="fade">
-                                      <p:cBhvr>
-                                        <p:cTn id="7" dur="1000"/>
-                                        <p:tgtEl>
-                                          <p:spTgt spid="96">
-                                            <p:txEl>
-                                              <p:pRg st="0" end="0"/>
-                                            </p:txEl>
-                                          </p:spTgt>
-                                        </p:tgtEl>
-                                      </p:cBhvr>
-                                    </p:animEffect>
-                                  </p:childTnLst>
-                                </p:cTn>
-                              </p:par>
-                            </p:childTnLst>
-                          </p:cTn>
-                        </p:par>
-                      </p:childTnLst>
-                    </p:cTn>
-                  </p:par>
-                  <p:par>
-                    <p:cTn id="8" fill="hold">
-                      <p:stCondLst>
-                        <p:cond delay="indefinite"/>
-                      </p:stCondLst>
-                      <p:childTnLst>
-                        <p:par>
-                          <p:cTn id="9" fill="hold">
-                            <p:stCondLst>
-                              <p:cond delay="0"/>
-                            </p:stCondLst>
-                            <p:childTnLst>
-                              <p:par>
-                                <p:cTn id="10" presetID="10" presetClass="entr" presetSubtype="0" fill="hold" nodeType="clickEffect">
-                                  <p:stCondLst>
-                                    <p:cond delay="0"/>
-                                  </p:stCondLst>
-                                  <p:childTnLst>
-                                    <p:set>
-                                      <p:cBhvr>
-                                        <p:cTn id="11" dur="1" fill="hold">
-                                          <p:stCondLst>
-                                            <p:cond delay="0"/>
-                                          </p:stCondLst>
-                                        </p:cTn>
-                                        <p:tgtEl>
-                                          <p:spTgt spid="96">
-                                            <p:txEl>
-                                              <p:pRg st="1" end="1"/>
-                                            </p:txEl>
-                                          </p:spTgt>
-                                        </p:tgtEl>
-                                        <p:attrNameLst>
-                                          <p:attrName>style.visibility</p:attrName>
-                                        </p:attrNameLst>
-                                      </p:cBhvr>
-                                      <p:to>
-                                        <p:strVal val="visible"/>
-                                      </p:to>
-                                    </p:set>
-                                    <p:animEffect transition="in" filter="fade">
-                                      <p:cBhvr>
-                                        <p:cTn id="12" dur="1000"/>
-                                        <p:tgtEl>
-                                          <p:spTgt spid="96">
-                                            <p:txEl>
-                                              <p:pRg st="1" end="1"/>
-                                            </p:txEl>
-                                          </p:spTgt>
-                                        </p:tgtEl>
-                                      </p:cBhvr>
-                                    </p:animEffect>
-                                  </p:childTnLst>
-                                </p:cTn>
-                              </p:par>
-                            </p:childTnLst>
-                          </p:cTn>
-                        </p:par>
-                      </p:childTnLst>
-                    </p:cTn>
-                  </p:par>
-                  <p:par>
-                    <p:cTn id="13" fill="hold">
-                      <p:stCondLst>
-                        <p:cond delay="indefinite"/>
-                      </p:stCondLst>
-                      <p:childTnLst>
-                        <p:par>
-                          <p:cTn id="14" fill="hold">
-                            <p:stCondLst>
-                              <p:cond delay="0"/>
-                            </p:stCondLst>
-                            <p:childTnLst>
-                              <p:par>
-                                <p:cTn id="15" presetID="10" presetClass="entr" presetSubtype="0" fill="hold" nodeType="clickEffect">
-                                  <p:stCondLst>
-                                    <p:cond delay="0"/>
-                                  </p:stCondLst>
-                                  <p:childTnLst>
-                                    <p:set>
-                                      <p:cBhvr>
-                                        <p:cTn id="16" dur="1" fill="hold">
-                                          <p:stCondLst>
-                                            <p:cond delay="0"/>
-                                          </p:stCondLst>
-                                        </p:cTn>
-                                        <p:tgtEl>
-                                          <p:spTgt spid="96">
-                                            <p:txEl>
-                                              <p:pRg st="2" end="2"/>
-                                            </p:txEl>
-                                          </p:spTgt>
-                                        </p:tgtEl>
-                                        <p:attrNameLst>
-                                          <p:attrName>style.visibility</p:attrName>
-                                        </p:attrNameLst>
-                                      </p:cBhvr>
-                                      <p:to>
-                                        <p:strVal val="visible"/>
-                                      </p:to>
-                                    </p:set>
-                                    <p:animEffect transition="in" filter="fade">
-                                      <p:cBhvr>
-                                        <p:cTn id="17" dur="1000"/>
-                                        <p:tgtEl>
-                                          <p:spTgt spid="96">
-                                            <p:txEl>
-                                              <p:pRg st="2" end="2"/>
-                                            </p:txEl>
-                                          </p:spTgt>
-                                        </p:tgtEl>
-                                      </p:cBhvr>
-                                    </p:animEffect>
-                                  </p:childTnLst>
-                                </p:cTn>
-                              </p:par>
-                            </p:childTnLst>
-                          </p:cTn>
-                        </p:par>
-                      </p:childTnLst>
-                    </p:cTn>
-                  </p:par>
-                  <p:par>
-                    <p:cTn id="18" fill="hold">
-                      <p:stCondLst>
-                        <p:cond delay="indefinite"/>
-                      </p:stCondLst>
-                      <p:childTnLst>
-                        <p:par>
-                          <p:cTn id="19" fill="hold">
-                            <p:stCondLst>
-                              <p:cond delay="0"/>
-                            </p:stCondLst>
-                            <p:childTnLst>
-                              <p:par>
-                                <p:cTn id="20" presetID="10" presetClass="entr" presetSubtype="0" fill="hold" nodeType="clickEffect">
-                                  <p:stCondLst>
-                                    <p:cond delay="0"/>
-                                  </p:stCondLst>
-                                  <p:childTnLst>
-                                    <p:set>
-                                      <p:cBhvr>
-                                        <p:cTn id="21" dur="1" fill="hold">
-                                          <p:stCondLst>
-                                            <p:cond delay="0"/>
-                                          </p:stCondLst>
-                                        </p:cTn>
-                                        <p:tgtEl>
-                                          <p:spTgt spid="96">
-                                            <p:txEl>
-                                              <p:pRg st="3" end="3"/>
-                                            </p:txEl>
-                                          </p:spTgt>
-                                        </p:tgtEl>
-                                        <p:attrNameLst>
-                                          <p:attrName>style.visibility</p:attrName>
-                                        </p:attrNameLst>
-                                      </p:cBhvr>
-                                      <p:to>
-                                        <p:strVal val="visible"/>
-                                      </p:to>
-                                    </p:set>
-                                    <p:animEffect transition="in" filter="fade">
-                                      <p:cBhvr>
-                                        <p:cTn id="22" dur="1000"/>
-                                        <p:tgtEl>
-                                          <p:spTgt spid="96">
-                                            <p:txEl>
-                                              <p:pRg st="3" end="3"/>
-                                            </p:txEl>
-                                          </p:spTgt>
-                                        </p:tgtEl>
-                                      </p:cBhvr>
-                                    </p:animEffect>
-                                  </p:childTnLst>
-                                </p:cTn>
-                              </p:par>
-                            </p:childTnLst>
-                          </p:cTn>
-                        </p:par>
-                      </p:childTnLst>
-                    </p:cTn>
-                  </p:par>
-                  <p:par>
-                    <p:cTn id="23" fill="hold">
-                      <p:stCondLst>
-                        <p:cond delay="indefinite"/>
-                      </p:stCondLst>
-                      <p:childTnLst>
-                        <p:par>
-                          <p:cTn id="24" fill="hold">
-                            <p:stCondLst>
-                              <p:cond delay="0"/>
-                            </p:stCondLst>
-                            <p:childTnLst>
-                              <p:par>
-                                <p:cTn id="25" presetID="10" presetClass="entr" presetSubtype="0" fill="hold" nodeType="clickEffect">
-                                  <p:stCondLst>
-                                    <p:cond delay="0"/>
-                                  </p:stCondLst>
-                                  <p:childTnLst>
-                                    <p:set>
-                                      <p:cBhvr>
-                                        <p:cTn id="26" dur="1" fill="hold">
-                                          <p:stCondLst>
-                                            <p:cond delay="0"/>
-                                          </p:stCondLst>
-                                        </p:cTn>
-                                        <p:tgtEl>
-                                          <p:spTgt spid="96">
-                                            <p:txEl>
-                                              <p:pRg st="4" end="4"/>
-                                            </p:txEl>
-                                          </p:spTgt>
-                                        </p:tgtEl>
-                                        <p:attrNameLst>
-                                          <p:attrName>style.visibility</p:attrName>
-                                        </p:attrNameLst>
-                                      </p:cBhvr>
-                                      <p:to>
-                                        <p:strVal val="visible"/>
-                                      </p:to>
-                                    </p:set>
-                                    <p:animEffect transition="in" filter="fade">
-                                      <p:cBhvr>
-                                        <p:cTn id="27" dur="1000"/>
-                                        <p:tgtEl>
-                                          <p:spTgt spid="96">
-                                            <p:txEl>
-                                              <p:pRg st="4" end="4"/>
-                                            </p:txEl>
-                                          </p:spTgt>
-                                        </p:tgtEl>
-                                      </p:cBhvr>
-                                    </p:animEffect>
-                                  </p:childTnLst>
-                                </p:cTn>
-                              </p:par>
-                            </p:childTnLst>
-                          </p:cTn>
-                        </p:par>
-                      </p:childTnLst>
-                    </p:cTn>
-                  </p:par>
-                  <p:par>
-                    <p:cTn id="28" fill="hold">
-                      <p:stCondLst>
-                        <p:cond delay="indefinite"/>
-                      </p:stCondLst>
-                      <p:childTnLst>
-                        <p:par>
-                          <p:cTn id="29" fill="hold">
-                            <p:stCondLst>
-                              <p:cond delay="0"/>
-                            </p:stCondLst>
-                            <p:childTnLst>
-                              <p:par>
-                                <p:cTn id="30" presetID="10" presetClass="entr" presetSubtype="0" fill="hold" nodeType="clickEffect">
-                                  <p:stCondLst>
-                                    <p:cond delay="0"/>
-                                  </p:stCondLst>
-                                  <p:childTnLst>
-                                    <p:set>
-                                      <p:cBhvr>
-                                        <p:cTn id="31" dur="1" fill="hold">
-                                          <p:stCondLst>
-                                            <p:cond delay="0"/>
-                                          </p:stCondLst>
-                                        </p:cTn>
-                                        <p:tgtEl>
-                                          <p:spTgt spid="96">
-                                            <p:txEl>
-                                              <p:pRg st="5" end="5"/>
-                                            </p:txEl>
-                                          </p:spTgt>
-                                        </p:tgtEl>
-                                        <p:attrNameLst>
-                                          <p:attrName>style.visibility</p:attrName>
-                                        </p:attrNameLst>
-                                      </p:cBhvr>
-                                      <p:to>
-                                        <p:strVal val="visible"/>
-                                      </p:to>
-                                    </p:set>
-                                    <p:animEffect transition="in" filter="fade">
-                                      <p:cBhvr>
-                                        <p:cTn id="32" dur="1000"/>
-                                        <p:tgtEl>
-                                          <p:spTgt spid="96">
-                                            <p:txEl>
-                                              <p:pRg st="5" end="5"/>
                                             </p:txEl>
                                           </p:spTgt>
                                         </p:tgtEl>
